--- a/Presentation/Crash analysis presentation.pptx
+++ b/Presentation/Crash analysis presentation.pptx
@@ -3041,7 +3041,7 @@
           <a:p>
             <a:fld id="{0912BFB2-35C4-4932-8FA0-4B54DC12CBAF}" type="datetimeFigureOut">
               <a:rPr lang="en-AU" smtClean="0"/>
-              <a:t>3/09/2023</a:t>
+              <a:t>4/09/2023</a:t>
             </a:fld>
             <a:endParaRPr lang="en-AU"/>
           </a:p>
@@ -3277,7 +3277,7 @@
             <a:fld id="{69EF8D40-BC8A-44A7-A62E-E2CB826E5AC5}" type="datetimeFigureOut">
               <a:rPr lang="en-US" smtClean="0"/>
               <a:pPr/>
-              <a:t>9/3/2023</a:t>
+              <a:t>9/4/2023</a:t>
             </a:fld>
             <a:endParaRPr lang="en-US"/>
           </a:p>
@@ -7216,7 +7216,24 @@
                   <a:schemeClr val="tx1"/>
                 </a:solidFill>
               </a:rPr>
-              <a:t>We chose the columns largely based off the EDA and significance. We also combined categories as needed to improve interpretability and prevent overfitting.</a:t>
+              <a:t>We chose the columns largely based off exploratory data analysis and significance. </a:t>
+            </a:r>
+          </a:p>
+          <a:p>
+            <a:endParaRPr lang="en-US" sz="1600" b="0" dirty="0">
+              <a:solidFill>
+                <a:schemeClr val="tx1"/>
+              </a:solidFill>
+            </a:endParaRPr>
+          </a:p>
+          <a:p>
+            <a:r>
+              <a:rPr lang="en-US" sz="1600" b="0" dirty="0">
+                <a:solidFill>
+                  <a:schemeClr val="tx1"/>
+                </a:solidFill>
+              </a:rPr>
+              <a:t>We also combined categories as needed to improve interpretability and prevent overfitting.</a:t>
             </a:r>
             <a:endParaRPr lang="en-AU" sz="1600" b="0" dirty="0">
               <a:solidFill>
@@ -14119,7 +14136,7 @@
                 <a:latin typeface="Arial" pitchFamily="34" charset="0"/>
                 <a:cs typeface="Arial" pitchFamily="34" charset="0"/>
               </a:rPr>
-              <a:t>Because we’re primarily interested in what causes a crash, we want to optimize for recall – what are the conditions that are can lead to a crash, even if it is still rare.</a:t>
+              <a:t>Because we’re primarily interested in what causes a crash, we want to optimize for recall – what are the conditions that can lead to a crash, even if it is still rare.</a:t>
             </a:r>
           </a:p>
         </p:txBody>
@@ -14757,7 +14774,7 @@
                 <a:latin typeface="Arial" pitchFamily="34" charset="0"/>
                 <a:cs typeface="Arial" pitchFamily="34" charset="0"/>
               </a:rPr>
-              <a:t>Because we see non-linearity</a:t>
+              <a:t>Because we see non-linearity and expect some level of complex interactions between variables, we choose random forests</a:t>
             </a:r>
             <a:endParaRPr lang="en-AU" sz="1200" dirty="0">
               <a:solidFill>
@@ -19191,7 +19208,7 @@
         </p:nvSpPr>
         <p:spPr>
           <a:xfrm>
-            <a:off x="619084" y="2306419"/>
+            <a:off x="551883" y="2251959"/>
             <a:ext cx="3267600" cy="2890192"/>
           </a:xfrm>
           <a:prstGeom prst="rect">

--- a/Presentation/Crash analysis presentation.pptx
+++ b/Presentation/Crash analysis presentation.pptx
@@ -10307,52 +10307,6 @@
       </p:sp>
       <p:sp>
         <p:nvSpPr>
-          <p:cNvPr id="25" name="Rectangle 3"/>
-          <p:cNvSpPr>
-            <a:spLocks noChangeArrowheads="1"/>
-          </p:cNvSpPr>
-          <p:nvPr/>
-        </p:nvSpPr>
-        <p:spPr bwMode="gray">
-          <a:xfrm>
-            <a:off x="455613" y="6324600"/>
-            <a:ext cx="8994775" cy="328613"/>
-          </a:xfrm>
-          <a:prstGeom prst="rect">
-            <a:avLst/>
-          </a:prstGeom>
-          <a:noFill/>
-          <a:ln w="9525" algn="ctr">
-            <a:noFill/>
-            <a:miter lim="800000"/>
-            <a:headEnd type="none" w="lg" len="lg"/>
-            <a:tailEnd type="none" w="lg" len="lg"/>
-          </a:ln>
-        </p:spPr>
-        <p:txBody>
-          <a:bodyPr lIns="0" tIns="0" rIns="0" bIns="0" anchor="b"/>
-          <a:lstStyle/>
-          <a:p>
-            <a:pPr>
-              <a:lnSpc>
-                <a:spcPct val="90000"/>
-              </a:lnSpc>
-            </a:pPr>
-            <a:r>
-              <a:rPr lang="en-AU" sz="800" dirty="0">
-                <a:solidFill>
-                  <a:srgbClr val="000000"/>
-                </a:solidFill>
-                <a:latin typeface="Arial" pitchFamily="34" charset="0"/>
-                <a:cs typeface="Arial" pitchFamily="34" charset="0"/>
-              </a:rPr>
-              <a:t>Source: BCG experts; DEDJTR Project Control Group and Working Group; Arts Agency CEOs and Chairs; Interviews with Thought Leaders October – December 2016</a:t>
-            </a:r>
-          </a:p>
-        </p:txBody>
-      </p:sp>
-      <p:sp>
-        <p:nvSpPr>
           <p:cNvPr id="24" name="Rectangle 23"/>
           <p:cNvSpPr/>
           <p:nvPr/>
@@ -19889,7 +19843,7 @@
         <p:spPr>
           <a:xfrm>
             <a:off x="364432" y="1174643"/>
-            <a:ext cx="8935835" cy="5636835"/>
+            <a:ext cx="8935835" cy="5598625"/>
           </a:xfrm>
           <a:prstGeom prst="rect">
             <a:avLst/>

--- a/Presentation/Crash analysis presentation.pptx
+++ b/Presentation/Crash analysis presentation.pptx
@@ -21000,7 +21000,16 @@
                 </a:solidFill>
                 <a:latin typeface="Arial"/>
               </a:rPr>
-              <a:t>A number of datapoints that are correlated with an increase nominal accident amounts (location, peak hour traffic etc.) show a negative correlation with fatality</a:t>
+              <a:t>A number of datapoints that are correlated with an increase nominal accident amounts (location, peak hour traffic etc.) show a negative correlation </a:t>
+            </a:r>
+            <a:r>
+              <a:rPr lang="en-AU" sz="1400">
+                <a:solidFill>
+                  <a:srgbClr val="000000"/>
+                </a:solidFill>
+                <a:latin typeface="Arial"/>
+              </a:rPr>
+              <a:t>with fatality</a:t>
             </a:r>
             <a:endParaRPr lang="en-AU" sz="1400" dirty="0">
               <a:solidFill>
@@ -21169,7 +21178,7 @@
                   <a:srgbClr val="000000"/>
                 </a:solidFill>
               </a:rPr>
-              <a:t>Focus on infrastructure rural and high-speed roads </a:t>
+              <a:t>Focus on road safety improvements in non-urban areas</a:t>
             </a:r>
           </a:p>
           <a:p>
@@ -21185,12 +21194,12 @@
               <a:buChar char="•"/>
             </a:pPr>
             <a:r>
-              <a:rPr lang="en-AU" sz="1400" dirty="0">
+              <a:rPr lang="en-US" sz="1400" dirty="0">
                 <a:solidFill>
                   <a:srgbClr val="000000"/>
                 </a:solidFill>
               </a:rPr>
-              <a:t>Safety and awareness campaigns aimed at motorcyclists/cyclists*</a:t>
+              <a:t>Infrastructure to prevent people veering off road (i.e. road barriers)</a:t>
             </a:r>
           </a:p>
           <a:p>

--- a/Presentation/Crash analysis presentation.pptx
+++ b/Presentation/Crash analysis presentation.pptx
@@ -5224,7 +5224,7 @@
           <p:nvPr>
             <p:extLst>
               <p:ext uri="{D42A27DB-BD31-4B8C-83A1-F6EECF244321}">
-                <p14:modId xmlns:p14="http://schemas.microsoft.com/office/powerpoint/2010/main" val="963817550"/>
+                <p14:modId xmlns:p14="http://schemas.microsoft.com/office/powerpoint/2010/main" val="1672146878"/>
               </p:ext>
             </p:extLst>
           </p:nvPr>
@@ -5548,7 +5548,7 @@
                     <a:p>
                       <a:r>
                         <a:rPr lang="en-US" sz="1400" dirty="0"/>
-                        <a:t>No</a:t>
+                        <a:t>Yes</a:t>
                       </a:r>
                       <a:endParaRPr lang="en-AU" sz="1400" dirty="0"/>
                     </a:p>
@@ -5569,7 +5569,15 @@
                     <a:p>
                       <a:r>
                         <a:rPr lang="en-US" sz="1400" dirty="0" err="1"/>
-                        <a:t>Node_ID</a:t>
+                        <a:t>Node_</a:t>
+                      </a:r>
+                      <a:r>
+                        <a:rPr lang="en-US" sz="1400" err="1"/>
+                        <a:t>id</a:t>
+                      </a:r>
+                      <a:r>
+                        <a:rPr lang="en-US" sz="1400"/>
+                        <a:t>_complex_int</a:t>
                       </a:r>
                       <a:endParaRPr lang="en-AU" sz="1400" dirty="0"/>
                     </a:p>
@@ -5597,7 +5605,7 @@
                     <a:p>
                       <a:r>
                         <a:rPr lang="en-US" sz="1400" dirty="0"/>
-                        <a:t>Yes</a:t>
+                        <a:t>No</a:t>
                       </a:r>
                       <a:endParaRPr lang="en-AU" sz="1400" dirty="0"/>
                     </a:p>
@@ -5909,7 +5917,7 @@
                   <a:schemeClr val="tx1"/>
                 </a:solidFill>
               </a:rPr>
-              <a:t>Data quality was largely not an issue except for NODE_ID. The categorization of whether a node was in an urban area or not had duplicates, often with conflicting info. This was substituted using ABS rural indexes</a:t>
+              <a:t>Data quality was largely not an issue except for NODES. The categorization of whether a node was in an urban area or not had duplicates, often with conflicting info. This was substituted using ABS rural indexes</a:t>
             </a:r>
           </a:p>
           <a:p>

--- a/Presentation/Crash analysis presentation.pptx
+++ b/Presentation/Crash analysis presentation.pptx
@@ -25488,10 +25488,10 @@
       </p:pic>
       <p:pic>
         <p:nvPicPr>
-          <p:cNvPr id="126" name="Picture 125">
+          <p:cNvPr id="4" name="Picture 3">
             <a:extLst>
               <a:ext uri="{FF2B5EF4-FFF2-40B4-BE49-F238E27FC236}">
-                <a16:creationId xmlns:a16="http://schemas.microsoft.com/office/drawing/2014/main" id="{8B45C729-48E9-77DE-30BC-39DD7959C4EC}"/>
+                <a16:creationId xmlns:a16="http://schemas.microsoft.com/office/drawing/2014/main" id="{02882FC4-D9C1-A860-C56E-D2407D8EF5D9}"/>
               </a:ext>
             </a:extLst>
           </p:cNvPr>
@@ -25508,8 +25508,8 @@
         </p:blipFill>
         <p:spPr>
           <a:xfrm>
-            <a:off x="5238357" y="2342281"/>
-            <a:ext cx="4427282" cy="3174732"/>
+            <a:off x="5325334" y="2326520"/>
+            <a:ext cx="4340305" cy="3112362"/>
           </a:xfrm>
           <a:prstGeom prst="rect">
             <a:avLst/>
